--- a/pptx/Async-Await_2.pptx
+++ b/pptx/Async-Await_2.pptx
@@ -220,7 +220,7 @@
           <a:p>
             <a:fld id="{E6851138-F5D7-F84D-BC35-5E5AD7F22C19}" type="datetimeFigureOut">
               <a:rPr lang="sv-SE" smtClean="0"/>
-              <a:t>2020-09-16</a:t>
+              <a:t>2020-09-17</a:t>
             </a:fld>
             <a:endParaRPr lang="sv-SE"/>
           </a:p>
@@ -832,7 +832,7 @@
           <a:p>
             <a:fld id="{85E1C431-2B20-D544-9A34-C2D45D247754}" type="datetimeFigureOut">
               <a:rPr lang="sv-SE" smtClean="0"/>
-              <a:t>2020-09-16</a:t>
+              <a:t>2020-09-17</a:t>
             </a:fld>
             <a:endParaRPr lang="sv-SE"/>
           </a:p>
@@ -1143,7 +1143,7 @@
           <a:p>
             <a:fld id="{85E1C431-2B20-D544-9A34-C2D45D247754}" type="datetimeFigureOut">
               <a:rPr lang="sv-SE" smtClean="0"/>
-              <a:t>2020-09-16</a:t>
+              <a:t>2020-09-17</a:t>
             </a:fld>
             <a:endParaRPr lang="sv-SE"/>
           </a:p>
@@ -1324,7 +1324,7 @@
           <a:p>
             <a:fld id="{85E1C431-2B20-D544-9A34-C2D45D247754}" type="datetimeFigureOut">
               <a:rPr lang="sv-SE" smtClean="0"/>
-              <a:t>2020-09-16</a:t>
+              <a:t>2020-09-17</a:t>
             </a:fld>
             <a:endParaRPr lang="sv-SE"/>
           </a:p>
@@ -1540,7 +1540,7 @@
           <a:p>
             <a:fld id="{85E1C431-2B20-D544-9A34-C2D45D247754}" type="datetimeFigureOut">
               <a:rPr lang="sv-SE" smtClean="0"/>
-              <a:t>2020-09-16</a:t>
+              <a:t>2020-09-17</a:t>
             </a:fld>
             <a:endParaRPr lang="sv-SE"/>
           </a:p>
@@ -1928,7 +1928,7 @@
           <a:p>
             <a:fld id="{85E1C431-2B20-D544-9A34-C2D45D247754}" type="datetimeFigureOut">
               <a:rPr lang="sv-SE" smtClean="0"/>
-              <a:t>2020-09-16</a:t>
+              <a:t>2020-09-17</a:t>
             </a:fld>
             <a:endParaRPr lang="sv-SE"/>
           </a:p>
@@ -2160,7 +2160,7 @@
           <a:p>
             <a:fld id="{85E1C431-2B20-D544-9A34-C2D45D247754}" type="datetimeFigureOut">
               <a:rPr lang="sv-SE" smtClean="0"/>
-              <a:t>2020-09-16</a:t>
+              <a:t>2020-09-17</a:t>
             </a:fld>
             <a:endParaRPr lang="sv-SE"/>
           </a:p>
@@ -2527,7 +2527,7 @@
           <a:p>
             <a:fld id="{85E1C431-2B20-D544-9A34-C2D45D247754}" type="datetimeFigureOut">
               <a:rPr lang="sv-SE" smtClean="0"/>
-              <a:t>2020-09-16</a:t>
+              <a:t>2020-09-17</a:t>
             </a:fld>
             <a:endParaRPr lang="sv-SE"/>
           </a:p>
@@ -2647,7 +2647,7 @@
           <a:p>
             <a:fld id="{85E1C431-2B20-D544-9A34-C2D45D247754}" type="datetimeFigureOut">
               <a:rPr lang="sv-SE" smtClean="0"/>
-              <a:t>2020-09-16</a:t>
+              <a:t>2020-09-17</a:t>
             </a:fld>
             <a:endParaRPr lang="sv-SE"/>
           </a:p>
@@ -2745,7 +2745,7 @@
           <a:p>
             <a:fld id="{85E1C431-2B20-D544-9A34-C2D45D247754}" type="datetimeFigureOut">
               <a:rPr lang="sv-SE" smtClean="0"/>
-              <a:t>2020-09-16</a:t>
+              <a:t>2020-09-17</a:t>
             </a:fld>
             <a:endParaRPr lang="sv-SE"/>
           </a:p>
@@ -3023,7 +3023,7 @@
           <a:p>
             <a:fld id="{85E1C431-2B20-D544-9A34-C2D45D247754}" type="datetimeFigureOut">
               <a:rPr lang="sv-SE" smtClean="0"/>
-              <a:t>2020-09-16</a:t>
+              <a:t>2020-09-17</a:t>
             </a:fld>
             <a:endParaRPr lang="sv-SE"/>
           </a:p>
@@ -3281,7 +3281,7 @@
           <a:p>
             <a:fld id="{85E1C431-2B20-D544-9A34-C2D45D247754}" type="datetimeFigureOut">
               <a:rPr lang="sv-SE" smtClean="0"/>
-              <a:t>2020-09-16</a:t>
+              <a:t>2020-09-17</a:t>
             </a:fld>
             <a:endParaRPr lang="sv-SE"/>
           </a:p>
@@ -3497,7 +3497,7 @@
           <a:p>
             <a:fld id="{85E1C431-2B20-D544-9A34-C2D45D247754}" type="datetimeFigureOut">
               <a:rPr lang="sv-SE" smtClean="0"/>
-              <a:t>2020-09-16</a:t>
+              <a:t>2020-09-17</a:t>
             </a:fld>
             <a:endParaRPr lang="sv-SE"/>
           </a:p>
@@ -4317,7 +4317,9 @@
         </p:nvSpPr>
         <p:spPr/>
         <p:txBody>
-          <a:bodyPr/>
+          <a:bodyPr>
+            <a:normAutofit/>
+          </a:bodyPr>
           <a:lstStyle/>
           <a:p>
             <a:r>
@@ -4337,7 +4339,10 @@
               </a:rPr>
               <a:t>https://youtu.be/J0mcYVxJEl0?t=1320</a:t>
             </a:r>
-            <a:endParaRPr lang="en-US" dirty="0"/>
+            <a:r>
+              <a:rPr lang="en-US" dirty="0"/>
+              <a:t> (22:00 min)</a:t>
+            </a:r>
           </a:p>
           <a:p>
             <a:pPr lvl="1"/>
@@ -4376,7 +4381,10 @@
               </a:rPr>
               <a:t>https://youtu.be/J0mcYVxJEl0?t=1621</a:t>
             </a:r>
-            <a:endParaRPr lang="en-US" dirty="0"/>
+            <a:r>
+              <a:rPr lang="en-US" dirty="0"/>
+              <a:t> (27:01 min)</a:t>
+            </a:r>
           </a:p>
           <a:p>
             <a:pPr lvl="1"/>
@@ -4411,7 +4419,10 @@
               </a:rPr>
               <a:t>https://youtu.be/J0mcYVxJEl0?t=1895</a:t>
             </a:r>
-            <a:endParaRPr lang="en-US" dirty="0"/>
+            <a:r>
+              <a:rPr lang="en-US" dirty="0"/>
+              <a:t> (31:35 min)</a:t>
+            </a:r>
           </a:p>
           <a:p>
             <a:pPr lvl="1"/>
@@ -4547,7 +4558,17 @@
               <a:rPr lang="en-US" dirty="0">
                 <a:hlinkClick r:id="rId2"/>
               </a:rPr>
-              <a:t>https://youtu.be/J0mcYVxJEl0?t=3585</a:t>
+              <a:t>https://youtu.be/J0mcYVxJEl0?t</a:t>
+            </a:r>
+            <a:r>
+              <a:rPr lang="en-US">
+                <a:hlinkClick r:id="rId2"/>
+              </a:rPr>
+              <a:t>=3585</a:t>
+            </a:r>
+            <a:r>
+              <a:rPr lang="en-US"/>
+              <a:t> (59:45 min)</a:t>
             </a:r>
             <a:endParaRPr lang="en-US" dirty="0"/>
           </a:p>
@@ -5741,6 +5762,21 @@
 </file>
 
 <file path=customXml/item1.xml><?xml version="1.0" encoding="utf-8"?>
+<?mso-contentType ?>
+<FormTemplates xmlns="http://schemas.microsoft.com/sharepoint/v3/contenttype/forms">
+  <Display>DocumentLibraryForm</Display>
+  <Edit>DocumentLibraryForm</Edit>
+  <New>DocumentLibraryForm</New>
+</FormTemplates>
+</file>
+
+<file path=customXml/item2.xml><?xml version="1.0" encoding="utf-8"?>
+<p:properties xmlns:p="http://schemas.microsoft.com/office/2006/metadata/properties" xmlns:xsi="http://www.w3.org/2001/XMLSchema-instance" xmlns:pc="http://schemas.microsoft.com/office/infopath/2007/PartnerControls">
+  <documentManagement/>
+</p:properties>
+</file>
+
+<file path=customXml/item3.xml><?xml version="1.0" encoding="utf-8"?>
 <ct:contentTypeSchema xmlns:ct="http://schemas.microsoft.com/office/2006/metadata/contentType" xmlns:ma="http://schemas.microsoft.com/office/2006/metadata/properties/metaAttributes" ct:_="" ma:_="" ma:contentTypeName="Document" ma:contentTypeID="0x010100321135DAE6EFF34BB4AF364535E865BF" ma:contentTypeVersion="5" ma:contentTypeDescription="Create a new document." ma:contentTypeScope="" ma:versionID="33f38b7c57c7e5f4c9acfa200be2f240">
   <xsd:schema xmlns:xsd="http://www.w3.org/2001/XMLSchema" xmlns:xs="http://www.w3.org/2001/XMLSchema" xmlns:p="http://schemas.microsoft.com/office/2006/metadata/properties" xmlns:ns2="59c563c5-f751-40cc-afa6-d2ef892f2c13" xmlns:ns3="325f8ff3-d93a-470f-9303-58e2e4471682" targetNamespace="http://schemas.microsoft.com/office/2006/metadata/properties" ma:root="true" ma:fieldsID="d3ab4796256664b0b58cb2fe398e1c7e" ns2:_="" ns3:_="">
     <xsd:import namespace="59c563c5-f751-40cc-afa6-d2ef892f2c13"/>
@@ -5909,36 +5945,10 @@
 </ct:contentTypeSchema>
 </file>
 
-<file path=customXml/item2.xml><?xml version="1.0" encoding="utf-8"?>
-<p:properties xmlns:p="http://schemas.microsoft.com/office/2006/metadata/properties" xmlns:xsi="http://www.w3.org/2001/XMLSchema-instance" xmlns:pc="http://schemas.microsoft.com/office/infopath/2007/PartnerControls">
-  <documentManagement/>
-</p:properties>
-</file>
-
-<file path=customXml/item3.xml><?xml version="1.0" encoding="utf-8"?>
-<?mso-contentType ?>
-<FormTemplates xmlns="http://schemas.microsoft.com/sharepoint/v3/contenttype/forms">
-  <Display>DocumentLibraryForm</Display>
-  <Edit>DocumentLibraryForm</Edit>
-  <New>DocumentLibraryForm</New>
-</FormTemplates>
-</file>
-
 <file path=customXml/itemProps1.xml><?xml version="1.0" encoding="utf-8"?>
-<ds:datastoreItem xmlns:ds="http://schemas.openxmlformats.org/officeDocument/2006/customXml" ds:itemID="{9D7EFD48-BF8A-446D-8C35-329FE4E678E1}">
+<ds:datastoreItem xmlns:ds="http://schemas.openxmlformats.org/officeDocument/2006/customXml" ds:itemID="{AD990228-DFDE-42FF-B31B-7062624E4F48}">
   <ds:schemaRefs>
-    <ds:schemaRef ds:uri="http://schemas.microsoft.com/office/2006/metadata/contentType"/>
-    <ds:schemaRef ds:uri="http://schemas.microsoft.com/office/2006/metadata/properties/metaAttributes"/>
-    <ds:schemaRef ds:uri="http://www.w3.org/2001/XMLSchema"/>
-    <ds:schemaRef ds:uri="http://schemas.microsoft.com/office/2006/metadata/properties"/>
-    <ds:schemaRef ds:uri="59c563c5-f751-40cc-afa6-d2ef892f2c13"/>
-    <ds:schemaRef ds:uri="325f8ff3-d93a-470f-9303-58e2e4471682"/>
-    <ds:schemaRef ds:uri="http://schemas.microsoft.com/office/2006/documentManagement/types"/>
-    <ds:schemaRef ds:uri="http://schemas.microsoft.com/office/infopath/2007/PartnerControls"/>
-    <ds:schemaRef ds:uri="http://schemas.openxmlformats.org/package/2006/metadata/core-properties"/>
-    <ds:schemaRef ds:uri="http://purl.org/dc/elements/1.1/"/>
-    <ds:schemaRef ds:uri="http://purl.org/dc/terms/"/>
-    <ds:schemaRef ds:uri="http://schemas.microsoft.com/internal/obd"/>
+    <ds:schemaRef ds:uri="http://schemas.microsoft.com/sharepoint/v3/contenttype/forms"/>
   </ds:schemaRefs>
 </ds:datastoreItem>
 </file>
@@ -5960,9 +5970,20 @@
 </file>
 
 <file path=customXml/itemProps3.xml><?xml version="1.0" encoding="utf-8"?>
-<ds:datastoreItem xmlns:ds="http://schemas.openxmlformats.org/officeDocument/2006/customXml" ds:itemID="{AD990228-DFDE-42FF-B31B-7062624E4F48}">
+<ds:datastoreItem xmlns:ds="http://schemas.openxmlformats.org/officeDocument/2006/customXml" ds:itemID="{9D7EFD48-BF8A-446D-8C35-329FE4E678E1}">
   <ds:schemaRefs>
-    <ds:schemaRef ds:uri="http://schemas.microsoft.com/sharepoint/v3/contenttype/forms"/>
+    <ds:schemaRef ds:uri="http://schemas.microsoft.com/office/2006/metadata/contentType"/>
+    <ds:schemaRef ds:uri="http://schemas.microsoft.com/office/2006/metadata/properties/metaAttributes"/>
+    <ds:schemaRef ds:uri="http://www.w3.org/2001/XMLSchema"/>
+    <ds:schemaRef ds:uri="http://schemas.microsoft.com/office/2006/metadata/properties"/>
+    <ds:schemaRef ds:uri="59c563c5-f751-40cc-afa6-d2ef892f2c13"/>
+    <ds:schemaRef ds:uri="325f8ff3-d93a-470f-9303-58e2e4471682"/>
+    <ds:schemaRef ds:uri="http://schemas.microsoft.com/office/2006/documentManagement/types"/>
+    <ds:schemaRef ds:uri="http://schemas.microsoft.com/office/infopath/2007/PartnerControls"/>
+    <ds:schemaRef ds:uri="http://schemas.openxmlformats.org/package/2006/metadata/core-properties"/>
+    <ds:schemaRef ds:uri="http://purl.org/dc/elements/1.1/"/>
+    <ds:schemaRef ds:uri="http://purl.org/dc/terms/"/>
+    <ds:schemaRef ds:uri="http://schemas.microsoft.com/internal/obd"/>
   </ds:schemaRefs>
 </ds:datastoreItem>
 </file>